--- a/api-days-london-2020/img/API-value.pptx
+++ b/api-days-london-2020/img/API-value.pptx
@@ -5,7 +5,8 @@
     <p:sldMasterId id="2147483648" r:id="rId1"/>
   </p:sldMasterIdLst>
   <p:sldIdLst>
-    <p:sldId id="256" r:id="rId2"/>
+    <p:sldId id="257" r:id="rId2"/>
+    <p:sldId id="256" r:id="rId3"/>
   </p:sldIdLst>
   <p:sldSz cx="12192000" cy="6858000"/>
   <p:notesSz cx="6858000" cy="9144000"/>
@@ -3326,6 +3327,298 @@
           <a:chExt cx="0" cy="0"/>
         </a:xfrm>
       </p:grpSpPr>
+      <mc:AlternateContent xmlns:mc="http://schemas.openxmlformats.org/markup-compatibility/2006" xmlns:a14="http://schemas.microsoft.com/office/drawing/2010/main">
+        <mc:Choice Requires="a14">
+          <p:sp>
+            <p:nvSpPr>
+              <p:cNvPr id="4" name="TextBox 3">
+                <a:extLst>
+                  <a:ext uri="{FF2B5EF4-FFF2-40B4-BE49-F238E27FC236}">
+                    <a16:creationId xmlns:a16="http://schemas.microsoft.com/office/drawing/2014/main" id="{A5680C24-6452-1E4F-AEEB-B67DE98EFB09}"/>
+                  </a:ext>
+                </a:extLst>
+              </p:cNvPr>
+              <p:cNvSpPr txBox="1"/>
+              <p:nvPr/>
+            </p:nvSpPr>
+            <p:spPr>
+              <a:xfrm>
+                <a:off x="7076743" y="2863500"/>
+                <a:ext cx="3047566" cy="1744580"/>
+              </a:xfrm>
+              <a:prstGeom prst="rect">
+                <a:avLst/>
+              </a:prstGeom>
+              <a:noFill/>
+            </p:spPr>
+            <p:txBody>
+              <a:bodyPr wrap="none" lIns="0" tIns="0" rIns="0" bIns="0" rtlCol="0">
+                <a:spAutoFit/>
+              </a:bodyPr>
+              <a:lstStyle/>
+              <a:p>
+                <a:pPr/>
+                <a14:m>
+                  <m:oMathPara xmlns:m="http://schemas.openxmlformats.org/officeDocument/2006/math">
+                    <m:oMathParaPr>
+                      <m:jc m:val="centerGroup"/>
+                    </m:oMathParaPr>
+                    <m:oMath xmlns:m="http://schemas.openxmlformats.org/officeDocument/2006/math">
+                      <m:r>
+                        <a:rPr lang="en-US" sz="3600" b="0" i="1" smtClean="0">
+                          <a:latin typeface="Cambria Math" panose="02040503050406030204" pitchFamily="18" charset="0"/>
+                        </a:rPr>
+                        <m:t>𝑉</m:t>
+                      </m:r>
+                      <m:r>
+                        <a:rPr lang="en-US" sz="3600" b="0" i="1" smtClean="0">
+                          <a:latin typeface="Cambria Math" panose="02040503050406030204" pitchFamily="18" charset="0"/>
+                        </a:rPr>
+                        <m:t>=</m:t>
+                      </m:r>
+                      <m:nary>
+                        <m:naryPr>
+                          <m:chr m:val="∑"/>
+                          <m:ctrlPr>
+                            <a:rPr lang="en-US" sz="3600" b="0" i="1" smtClean="0">
+                              <a:latin typeface="Cambria Math" panose="02040503050406030204" pitchFamily="18" charset="0"/>
+                            </a:rPr>
+                          </m:ctrlPr>
+                        </m:naryPr>
+                        <m:sub>
+                          <m:r>
+                            <m:rPr>
+                              <m:brk m:alnAt="23"/>
+                            </m:rPr>
+                            <a:rPr lang="en-US" sz="3600" b="0" i="1" smtClean="0">
+                              <a:latin typeface="Cambria Math" panose="02040503050406030204" pitchFamily="18" charset="0"/>
+                            </a:rPr>
+                            <m:t>𝑖</m:t>
+                          </m:r>
+                          <m:r>
+                            <a:rPr lang="en-US" sz="3600" b="0" i="1" smtClean="0">
+                              <a:latin typeface="Cambria Math" panose="02040503050406030204" pitchFamily="18" charset="0"/>
+                            </a:rPr>
+                            <m:t>=1</m:t>
+                          </m:r>
+                        </m:sub>
+                        <m:sup>
+                          <m:r>
+                            <a:rPr lang="en-US" sz="3600" b="0" i="1" smtClean="0">
+                              <a:latin typeface="Cambria Math" panose="02040503050406030204" pitchFamily="18" charset="0"/>
+                            </a:rPr>
+                            <m:t>𝑛</m:t>
+                          </m:r>
+                        </m:sup>
+                        <m:e>
+                          <m:nary>
+                            <m:naryPr>
+                              <m:limLoc m:val="undOvr"/>
+                              <m:ctrlPr>
+                                <a:rPr lang="en-US" sz="3600" b="0" i="1" smtClean="0">
+                                  <a:latin typeface="Cambria Math" panose="02040503050406030204" pitchFamily="18" charset="0"/>
+                                </a:rPr>
+                              </m:ctrlPr>
+                            </m:naryPr>
+                            <m:sub>
+                              <m:sSub>
+                                <m:sSubPr>
+                                  <m:ctrlPr>
+                                    <a:rPr lang="en-US" sz="3600" b="0" i="1" smtClean="0">
+                                      <a:latin typeface="Cambria Math" panose="02040503050406030204" pitchFamily="18" charset="0"/>
+                                    </a:rPr>
+                                  </m:ctrlPr>
+                                </m:sSubPr>
+                                <m:e>
+                                  <m:r>
+                                    <a:rPr lang="en-US" sz="3600" b="0" i="1" smtClean="0">
+                                      <a:latin typeface="Cambria Math" panose="02040503050406030204" pitchFamily="18" charset="0"/>
+                                    </a:rPr>
+                                    <m:t>𝑅</m:t>
+                                  </m:r>
+                                </m:e>
+                                <m:sub>
+                                  <m:r>
+                                    <a:rPr lang="en-US" sz="3600" b="0" i="1" smtClean="0">
+                                      <a:latin typeface="Cambria Math" panose="02040503050406030204" pitchFamily="18" charset="0"/>
+                                    </a:rPr>
+                                    <m:t>𝑖</m:t>
+                                  </m:r>
+                                </m:sub>
+                              </m:sSub>
+                            </m:sub>
+                            <m:sup>
+                              <m:sSub>
+                                <m:sSubPr>
+                                  <m:ctrlPr>
+                                    <a:rPr lang="en-US" sz="3600" b="0" i="1" smtClean="0">
+                                      <a:latin typeface="Cambria Math" panose="02040503050406030204" pitchFamily="18" charset="0"/>
+                                    </a:rPr>
+                                  </m:ctrlPr>
+                                </m:sSubPr>
+                                <m:e>
+                                  <m:r>
+                                    <a:rPr lang="en-US" sz="3600" b="0" i="1" smtClean="0">
+                                      <a:latin typeface="Cambria Math" panose="02040503050406030204" pitchFamily="18" charset="0"/>
+                                    </a:rPr>
+                                    <m:t>𝑆</m:t>
+                                  </m:r>
+                                </m:e>
+                                <m:sub>
+                                  <m:r>
+                                    <a:rPr lang="en-US" sz="3600" b="0" i="1" smtClean="0">
+                                      <a:latin typeface="Cambria Math" panose="02040503050406030204" pitchFamily="18" charset="0"/>
+                                    </a:rPr>
+                                    <m:t>𝑖</m:t>
+                                  </m:r>
+                                </m:sub>
+                              </m:sSub>
+                            </m:sup>
+                            <m:e>
+                              <m:r>
+                                <a:rPr lang="en-US" sz="3600" b="0" i="1" smtClean="0">
+                                  <a:latin typeface="Cambria Math" panose="02040503050406030204" pitchFamily="18" charset="0"/>
+                                </a:rPr>
+                                <m:t>𝑟</m:t>
+                              </m:r>
+                              <m:r>
+                                <a:rPr lang="en-US" sz="3600" b="0" i="1" smtClean="0">
+                                  <a:latin typeface="Cambria Math" panose="02040503050406030204" pitchFamily="18" charset="0"/>
+                                </a:rPr>
+                                <m:t> </m:t>
+                              </m:r>
+                              <m:r>
+                                <m:rPr>
+                                  <m:sty m:val="p"/>
+                                </m:rPr>
+                                <a:rPr lang="en-US" sz="3600" b="0" i="0" smtClean="0">
+                                  <a:latin typeface="Cambria Math" panose="02040503050406030204" pitchFamily="18" charset="0"/>
+                                </a:rPr>
+                                <m:t>d</m:t>
+                              </m:r>
+                              <m:r>
+                                <a:rPr lang="en-US" sz="3600" b="0" i="1" smtClean="0">
+                                  <a:latin typeface="Cambria Math" panose="02040503050406030204" pitchFamily="18" charset="0"/>
+                                </a:rPr>
+                                <m:t>𝑡</m:t>
+                              </m:r>
+                            </m:e>
+                          </m:nary>
+                        </m:e>
+                      </m:nary>
+                    </m:oMath>
+                  </m:oMathPara>
+                </a14:m>
+                <a:endParaRPr lang="en-US" sz="3600" dirty="0"/>
+              </a:p>
+            </p:txBody>
+          </p:sp>
+        </mc:Choice>
+        <mc:Fallback xmlns="">
+          <p:sp>
+            <p:nvSpPr>
+              <p:cNvPr id="4" name="TextBox 3">
+                <a:extLst>
+                  <a:ext uri="{FF2B5EF4-FFF2-40B4-BE49-F238E27FC236}">
+                    <a16:creationId xmlns:a16="http://schemas.microsoft.com/office/drawing/2014/main" id="{A5680C24-6452-1E4F-AEEB-B67DE98EFB09}"/>
+                  </a:ext>
+                </a:extLst>
+              </p:cNvPr>
+              <p:cNvSpPr txBox="1">
+                <a:spLocks noRot="1" noChangeAspect="1" noMove="1" noResize="1" noEditPoints="1" noAdjustHandles="1" noChangeArrowheads="1" noChangeShapeType="1" noTextEdit="1"/>
+              </p:cNvSpPr>
+              <p:nvPr/>
+            </p:nvSpPr>
+            <p:spPr>
+              <a:xfrm>
+                <a:off x="7076743" y="2863500"/>
+                <a:ext cx="3047566" cy="1744580"/>
+              </a:xfrm>
+              <a:prstGeom prst="rect">
+                <a:avLst/>
+              </a:prstGeom>
+              <a:blipFill>
+                <a:blip r:embed="rId2"/>
+                <a:stretch>
+                  <a:fillRect l="-26141" t="-116667" r="-20332" b="-174638"/>
+                </a:stretch>
+              </a:blipFill>
+            </p:spPr>
+            <p:txBody>
+              <a:bodyPr/>
+              <a:lstStyle/>
+              <a:p>
+                <a:r>
+                  <a:rPr lang="en-US">
+                    <a:noFill/>
+                  </a:rPr>
+                  <a:t> </a:t>
+                </a:r>
+              </a:p>
+            </p:txBody>
+          </p:sp>
+        </mc:Fallback>
+      </mc:AlternateContent>
+      <p:pic>
+        <p:nvPicPr>
+          <p:cNvPr id="8" name="Picture 7">
+            <a:extLst>
+              <a:ext uri="{FF2B5EF4-FFF2-40B4-BE49-F238E27FC236}">
+                <a16:creationId xmlns:a16="http://schemas.microsoft.com/office/drawing/2014/main" id="{A5CD3532-E866-2D44-9682-27D625032F00}"/>
+              </a:ext>
+            </a:extLst>
+          </p:cNvPr>
+          <p:cNvPicPr>
+            <a:picLocks noChangeAspect="1"/>
+          </p:cNvPicPr>
+          <p:nvPr/>
+        </p:nvPicPr>
+        <p:blipFill>
+          <a:blip r:embed="rId3"/>
+          <a:stretch>
+            <a:fillRect/>
+          </a:stretch>
+        </p:blipFill>
+        <p:spPr>
+          <a:xfrm>
+            <a:off x="1268610" y="2229855"/>
+            <a:ext cx="5334000" cy="3011871"/>
+          </a:xfrm>
+          <a:prstGeom prst="rect">
+            <a:avLst/>
+          </a:prstGeom>
+        </p:spPr>
+      </p:pic>
+    </p:spTree>
+    <p:extLst>
+      <p:ext uri="{BB962C8B-B14F-4D97-AF65-F5344CB8AC3E}">
+        <p14:creationId xmlns:p14="http://schemas.microsoft.com/office/powerpoint/2010/main" val="1190423952"/>
+      </p:ext>
+    </p:extLst>
+  </p:cSld>
+  <p:clrMapOvr>
+    <a:masterClrMapping/>
+  </p:clrMapOvr>
+</p:sld>
+</file>
+
+<file path=ppt/slides/slide2.xml><?xml version="1.0" encoding="utf-8"?>
+<p:sld xmlns:a="http://schemas.openxmlformats.org/drawingml/2006/main" xmlns:r="http://schemas.openxmlformats.org/officeDocument/2006/relationships" xmlns:p="http://schemas.openxmlformats.org/presentationml/2006/main">
+  <p:cSld>
+    <p:spTree>
+      <p:nvGrpSpPr>
+        <p:cNvPr id="1" name=""/>
+        <p:cNvGrpSpPr/>
+        <p:nvPr/>
+      </p:nvGrpSpPr>
+      <p:grpSpPr>
+        <a:xfrm>
+          <a:off x="0" y="0"/>
+          <a:ext cx="0" cy="0"/>
+          <a:chOff x="0" y="0"/>
+          <a:chExt cx="0" cy="0"/>
+        </a:xfrm>
+      </p:grpSpPr>
       <p:pic>
         <p:nvPicPr>
           <p:cNvPr id="3" name="Picture 2">
@@ -3360,8 +3653,8 @@
           </a:scene3d>
         </p:spPr>
       </p:pic>
-      <mc:AlternateContent xmlns:mc="http://schemas.openxmlformats.org/markup-compatibility/2006">
-        <mc:Choice xmlns:a14="http://schemas.microsoft.com/office/drawing/2010/main" Requires="a14">
+      <mc:AlternateContent xmlns:mc="http://schemas.openxmlformats.org/markup-compatibility/2006" xmlns:a14="http://schemas.microsoft.com/office/drawing/2010/main">
+        <mc:Choice Requires="a14">
           <p:sp>
             <p:nvSpPr>
               <p:cNvPr id="4" name="TextBox 3">
@@ -3584,7 +3877,7 @@
             </p:txBody>
           </p:sp>
         </mc:Choice>
-        <mc:Fallback>
+        <mc:Fallback xmlns="">
           <p:sp>
             <p:nvSpPr>
               <p:cNvPr id="4" name="TextBox 3">
